--- a/MentOS - Implementazione Scheduling Algorithms.pptx
+++ b/MentOS - Implementazione Scheduling Algorithms.pptx
@@ -148,6 +148,7 @@
     <p1510:client id="{54E84A9F-CD8C-4E3F-A663-B9CEEAA4E392}" v="23" dt="2023-08-22T18:13:14.706"/>
     <p1510:client id="{7ED6C132-1E4D-4E9F-930D-8F032D84F7BF}" v="3" dt="2023-08-23T16:21:32.476"/>
     <p1510:client id="{8DE3C47F-1934-457E-A8B6-5E42E4E33CE7}" v="5230" dt="2023-08-27T20:17:01.568"/>
+    <p1510:client id="{ECD0DF55-46F4-41D7-B04A-F7473FBBF905}" v="10" dt="2023-08-28T18:04:18.987"/>
     <p1510:client id="{F9FB13FC-ADCE-448C-8F67-2F4D113C6EAC}" v="173" dt="2023-08-21T19:49:01.525"/>
   </p1510:revLst>
 </p1510:revInfo>
@@ -3441,7 +3442,7 @@
           </a:lstStyle>
           <a:p>
             <a:fld id="{F36B8049-E9E1-4155-BDBB-289E4CF46440}" type="datetimeFigureOut">
-              <a:t>27/08/2023</a:t>
+              <a:t>28/08/2023</a:t>
             </a:fld>
             <a:endParaRPr lang="it-IT"/>
           </a:p>
@@ -3856,7 +3857,7 @@
           <a:p>
             <a:fld id="{1317C824-2132-4BB7-8F95-0CAE4412AE81}" type="slidenum">
               <a:rPr lang="it-IT" noProof="0" smtClean="0"/>
-              <a:t>17</a:t>
+              <a:t>23</a:t>
             </a:fld>
             <a:endParaRPr lang="it-IT" noProof="0"/>
           </a:p>
@@ -4006,7 +4007,7 @@
           <a:p>
             <a:fld id="{F64A8E5F-40E5-4553-9F3C-699F1A5B8145}" type="datetimeFigureOut">
               <a:rPr lang="de-DE" smtClean="0"/>
-              <a:t>27.08.2023</a:t>
+              <a:t>28.08.2023</a:t>
             </a:fld>
             <a:endParaRPr lang="de-DE"/>
           </a:p>
@@ -4176,7 +4177,7 @@
           <a:p>
             <a:fld id="{F64A8E5F-40E5-4553-9F3C-699F1A5B8145}" type="datetimeFigureOut">
               <a:rPr lang="de-DE" smtClean="0"/>
-              <a:t>27.08.2023</a:t>
+              <a:t>28.08.2023</a:t>
             </a:fld>
             <a:endParaRPr lang="de-DE"/>
           </a:p>
@@ -4356,7 +4357,7 @@
           <a:p>
             <a:fld id="{F64A8E5F-40E5-4553-9F3C-699F1A5B8145}" type="datetimeFigureOut">
               <a:rPr lang="de-DE" smtClean="0"/>
-              <a:t>27.08.2023</a:t>
+              <a:t>28.08.2023</a:t>
             </a:fld>
             <a:endParaRPr lang="de-DE"/>
           </a:p>
@@ -4661,7 +4662,7 @@
             <a:fld id="{B61BEF0D-F0BB-DE4B-95CE-6DB70DBA9567}" type="datetimeFigureOut">
               <a:rPr lang="en-US" dirty="0"/>
               <a:pPr/>
-              <a:t>8/27/2023</a:t>
+              <a:t>8/28/2023</a:t>
             </a:fld>
             <a:endParaRPr lang="en-US"/>
           </a:p>
@@ -4912,7 +4913,7 @@
             <a:fld id="{B61BEF0D-F0BB-DE4B-95CE-6DB70DBA9567}" type="datetimeFigureOut">
               <a:rPr lang="en-US" dirty="0"/>
               <a:pPr/>
-              <a:t>8/27/2023</a:t>
+              <a:t>8/28/2023</a:t>
             </a:fld>
             <a:endParaRPr lang="en-US"/>
           </a:p>
@@ -5220,7 +5221,7 @@
             <a:fld id="{B61BEF0D-F0BB-DE4B-95CE-6DB70DBA9567}" type="datetimeFigureOut">
               <a:rPr lang="en-US" dirty="0"/>
               <a:pPr/>
-              <a:t>8/27/2023</a:t>
+              <a:t>8/28/2023</a:t>
             </a:fld>
             <a:endParaRPr lang="en-US"/>
           </a:p>
@@ -5521,7 +5522,7 @@
             <a:fld id="{B61BEF0D-F0BB-DE4B-95CE-6DB70DBA9567}" type="datetimeFigureOut">
               <a:rPr lang="en-US" dirty="0"/>
               <a:pPr/>
-              <a:t>8/27/2023</a:t>
+              <a:t>8/28/2023</a:t>
             </a:fld>
             <a:endParaRPr lang="en-US"/>
           </a:p>
@@ -5942,7 +5943,7 @@
             <a:fld id="{B61BEF0D-F0BB-DE4B-95CE-6DB70DBA9567}" type="datetimeFigureOut">
               <a:rPr lang="en-US" dirty="0"/>
               <a:pPr/>
-              <a:t>8/27/2023</a:t>
+              <a:t>8/28/2023</a:t>
             </a:fld>
             <a:endParaRPr lang="en-US"/>
           </a:p>
@@ -6105,7 +6106,7 @@
             <a:fld id="{B61BEF0D-F0BB-DE4B-95CE-6DB70DBA9567}" type="datetimeFigureOut">
               <a:rPr lang="en-US" dirty="0"/>
               <a:pPr/>
-              <a:t>8/27/2023</a:t>
+              <a:t>8/28/2023</a:t>
             </a:fld>
             <a:endParaRPr lang="en-US"/>
           </a:p>
@@ -6202,7 +6203,7 @@
             <a:fld id="{B61BEF0D-F0BB-DE4B-95CE-6DB70DBA9567}" type="datetimeFigureOut">
               <a:rPr lang="en-US" dirty="0"/>
               <a:pPr/>
-              <a:t>8/27/2023</a:t>
+              <a:t>8/28/2023</a:t>
             </a:fld>
             <a:endParaRPr lang="en-US"/>
           </a:p>
@@ -6580,7 +6581,7 @@
             <a:fld id="{B61BEF0D-F0BB-DE4B-95CE-6DB70DBA9567}" type="datetimeFigureOut">
               <a:rPr lang="en-US" dirty="0"/>
               <a:pPr/>
-              <a:t>8/27/2023</a:t>
+              <a:t>8/28/2023</a:t>
             </a:fld>
             <a:endParaRPr lang="en-US"/>
           </a:p>
@@ -6773,7 +6774,7 @@
           <a:p>
             <a:fld id="{F64A8E5F-40E5-4553-9F3C-699F1A5B8145}" type="datetimeFigureOut">
               <a:rPr lang="de-DE" smtClean="0"/>
-              <a:t>27.08.2023</a:t>
+              <a:t>28.08.2023</a:t>
             </a:fld>
             <a:endParaRPr lang="de-DE"/>
           </a:p>
@@ -7036,7 +7037,7 @@
             <a:fld id="{B61BEF0D-F0BB-DE4B-95CE-6DB70DBA9567}" type="datetimeFigureOut">
               <a:rPr lang="en-US" dirty="0"/>
               <a:pPr/>
-              <a:t>8/27/2023</a:t>
+              <a:t>8/28/2023</a:t>
             </a:fld>
             <a:endParaRPr lang="en-US"/>
           </a:p>
@@ -7266,7 +7267,7 @@
             <a:fld id="{B61BEF0D-F0BB-DE4B-95CE-6DB70DBA9567}" type="datetimeFigureOut">
               <a:rPr lang="en-US" dirty="0"/>
               <a:pPr/>
-              <a:t>8/27/2023</a:t>
+              <a:t>8/28/2023</a:t>
             </a:fld>
             <a:endParaRPr lang="en-US"/>
           </a:p>
@@ -7501,7 +7502,7 @@
             <a:fld id="{B61BEF0D-F0BB-DE4B-95CE-6DB70DBA9567}" type="datetimeFigureOut">
               <a:rPr lang="en-US" dirty="0"/>
               <a:pPr/>
-              <a:t>8/27/2023</a:t>
+              <a:t>8/28/2023</a:t>
             </a:fld>
             <a:endParaRPr lang="en-US"/>
           </a:p>
@@ -7769,7 +7770,7 @@
           <a:p>
             <a:fld id="{F64A8E5F-40E5-4553-9F3C-699F1A5B8145}" type="datetimeFigureOut">
               <a:rPr lang="de-DE" smtClean="0"/>
-              <a:t>27.08.2023</a:t>
+              <a:t>28.08.2023</a:t>
             </a:fld>
             <a:endParaRPr lang="de-DE"/>
           </a:p>
@@ -8001,7 +8002,7 @@
           <a:p>
             <a:fld id="{F64A8E5F-40E5-4553-9F3C-699F1A5B8145}" type="datetimeFigureOut">
               <a:rPr lang="de-DE" smtClean="0"/>
-              <a:t>27.08.2023</a:t>
+              <a:t>28.08.2023</a:t>
             </a:fld>
             <a:endParaRPr lang="de-DE"/>
           </a:p>
@@ -8368,7 +8369,7 @@
           <a:p>
             <a:fld id="{F64A8E5F-40E5-4553-9F3C-699F1A5B8145}" type="datetimeFigureOut">
               <a:rPr lang="de-DE" smtClean="0"/>
-              <a:t>27.08.2023</a:t>
+              <a:t>28.08.2023</a:t>
             </a:fld>
             <a:endParaRPr lang="de-DE"/>
           </a:p>
@@ -8486,7 +8487,7 @@
           <a:p>
             <a:fld id="{F64A8E5F-40E5-4553-9F3C-699F1A5B8145}" type="datetimeFigureOut">
               <a:rPr lang="de-DE" smtClean="0"/>
-              <a:t>27.08.2023</a:t>
+              <a:t>28.08.2023</a:t>
             </a:fld>
             <a:endParaRPr lang="de-DE"/>
           </a:p>
@@ -8581,7 +8582,7 @@
           <a:p>
             <a:fld id="{F64A8E5F-40E5-4553-9F3C-699F1A5B8145}" type="datetimeFigureOut">
               <a:rPr lang="de-DE" smtClean="0"/>
-              <a:t>27.08.2023</a:t>
+              <a:t>28.08.2023</a:t>
             </a:fld>
             <a:endParaRPr lang="de-DE"/>
           </a:p>
@@ -8858,7 +8859,7 @@
           <a:p>
             <a:fld id="{F64A8E5F-40E5-4553-9F3C-699F1A5B8145}" type="datetimeFigureOut">
               <a:rPr lang="de-DE" smtClean="0"/>
-              <a:t>27.08.2023</a:t>
+              <a:t>28.08.2023</a:t>
             </a:fld>
             <a:endParaRPr lang="de-DE"/>
           </a:p>
@@ -9111,7 +9112,7 @@
           <a:p>
             <a:fld id="{F64A8E5F-40E5-4553-9F3C-699F1A5B8145}" type="datetimeFigureOut">
               <a:rPr lang="de-DE" smtClean="0"/>
-              <a:t>27.08.2023</a:t>
+              <a:t>28.08.2023</a:t>
             </a:fld>
             <a:endParaRPr lang="de-DE"/>
           </a:p>
@@ -9324,7 +9325,7 @@
           <a:p>
             <a:fld id="{F64A8E5F-40E5-4553-9F3C-699F1A5B8145}" type="datetimeFigureOut">
               <a:rPr lang="de-DE" smtClean="0"/>
-              <a:t>27.08.2023</a:t>
+              <a:t>28.08.2023</a:t>
             </a:fld>
             <a:endParaRPr lang="de-DE"/>
           </a:p>
@@ -9889,7 +9890,7 @@
             <a:fld id="{B61BEF0D-F0BB-DE4B-95CE-6DB70DBA9567}" type="datetimeFigureOut">
               <a:rPr lang="en-US" dirty="0"/>
               <a:pPr/>
-              <a:t>8/27/2023</a:t>
+              <a:t>8/28/2023</a:t>
             </a:fld>
             <a:endParaRPr lang="en-US"/>
           </a:p>
@@ -12836,7 +12837,7 @@
             </a:r>
             <a:r>
               <a:rPr lang="it-IT" sz="2200" dirty="0"/>
-              <a:t>. il task attuale può essere interrotto per dare priorità ad un altro)</a:t>
+              <a:t>. la task attuale può essere interrotta per dare priorità ad un'altra)</a:t>
             </a:r>
           </a:p>
           <a:p>
@@ -13633,13 +13634,13 @@
             <a:pPr marL="305435" indent="-305435"/>
             <a:r>
               <a:rPr lang="it-IT" sz="2400" dirty="0"/>
-              <a:t>Questo algoritmo funziona allo stesso modo dell' EDF ma non effettua l'analisi di </a:t>
-            </a:r>
-            <a:r>
-              <a:rPr lang="it-IT" sz="2400" err="1"/>
+              <a:t>Questo algoritmo funziona allo stesso modo dell' EDF, ma non effettua l'analisi di </a:t>
+            </a:r>
+            <a:r>
+              <a:rPr lang="it-IT" sz="2400" dirty="0" err="1"/>
               <a:t>schedulabilità</a:t>
             </a:r>
-            <a:endParaRPr lang="it-IT" sz="2400"/>
+            <a:endParaRPr lang="it-IT" sz="2400" dirty="0"/>
           </a:p>
           <a:p>
             <a:pPr marL="305435" indent="-305435"/>
@@ -16155,7 +16156,7 @@
               <a:t>In </a:t>
             </a:r>
             <a:r>
-              <a:rPr lang="it-IT" sz="2400" err="1"/>
+              <a:rPr lang="it-IT" sz="2400" dirty="0" err="1"/>
               <a:t>MentOS</a:t>
             </a:r>
             <a:r>
@@ -16163,8 +16164,8 @@
               <a:t> il compito di effettuare quest'analisi è della funzione </a:t>
             </a:r>
             <a:r>
-              <a:rPr lang="it-IT" sz="2400" i="1" err="1"/>
-              <a:t>sys_waiperiod</a:t>
+              <a:rPr lang="it-IT" sz="2400" i="1" dirty="0" err="1"/>
+              <a:t>sys_waitperiod</a:t>
             </a:r>
             <a:r>
               <a:rPr lang="it-IT" sz="2400" i="1" dirty="0"/>
@@ -16175,7 +16176,7 @@
               <a:t>(in </a:t>
             </a:r>
             <a:r>
-              <a:rPr lang="it-IT" sz="2400" i="1" err="1"/>
+              <a:rPr lang="it-IT" sz="2400" i="1" dirty="0" err="1"/>
               <a:t>lib</a:t>
             </a:r>
             <a:r>
@@ -16183,7 +16184,7 @@
               <a:t>/</a:t>
             </a:r>
             <a:r>
-              <a:rPr lang="it-IT" sz="2400" i="1" err="1"/>
+              <a:rPr lang="it-IT" sz="2400" i="1" dirty="0" err="1"/>
               <a:t>process</a:t>
             </a:r>
             <a:r>
@@ -16191,7 +16192,7 @@
               <a:t>/</a:t>
             </a:r>
             <a:r>
-              <a:rPr lang="it-IT" sz="2400" i="1" err="1"/>
+              <a:rPr lang="it-IT" sz="2400" i="1" dirty="0" err="1"/>
               <a:t>scheduler.h</a:t>
             </a:r>
             <a:r>
@@ -16199,7 +16200,7 @@
               <a:t>) che analizza la task in questione eseguendola la prima volta come se non fosse periodica e calcolandone il tempo massimo di esecuzione possibile (</a:t>
             </a:r>
             <a:r>
-              <a:rPr lang="it-IT" sz="2400" err="1"/>
+              <a:rPr lang="it-IT" sz="2400" dirty="0" err="1"/>
               <a:t>Worst</a:t>
             </a:r>
             <a:r>
@@ -16207,7 +16208,7 @@
               <a:t> Case </a:t>
             </a:r>
             <a:r>
-              <a:rPr lang="it-IT" sz="2400" err="1"/>
+              <a:rPr lang="it-IT" sz="2400" dirty="0" err="1"/>
               <a:t>Execution</a:t>
             </a:r>
             <a:r>

--- a/MentOS - Implementazione Scheduling Algorithms.pptx
+++ b/MentOS - Implementazione Scheduling Algorithms.pptx
@@ -3442,7 +3442,7 @@
           </a:lstStyle>
           <a:p>
             <a:fld id="{F36B8049-E9E1-4155-BDBB-289E4CF46440}" type="datetimeFigureOut">
-              <a:t>28/08/2023</a:t>
+              <a:t>29/08/2023</a:t>
             </a:fld>
             <a:endParaRPr lang="it-IT"/>
           </a:p>
@@ -4007,7 +4007,7 @@
           <a:p>
             <a:fld id="{F64A8E5F-40E5-4553-9F3C-699F1A5B8145}" type="datetimeFigureOut">
               <a:rPr lang="de-DE" smtClean="0"/>
-              <a:t>28.08.2023</a:t>
+              <a:t>29.08.2023</a:t>
             </a:fld>
             <a:endParaRPr lang="de-DE"/>
           </a:p>
@@ -4177,7 +4177,7 @@
           <a:p>
             <a:fld id="{F64A8E5F-40E5-4553-9F3C-699F1A5B8145}" type="datetimeFigureOut">
               <a:rPr lang="de-DE" smtClean="0"/>
-              <a:t>28.08.2023</a:t>
+              <a:t>29.08.2023</a:t>
             </a:fld>
             <a:endParaRPr lang="de-DE"/>
           </a:p>
@@ -4357,7 +4357,7 @@
           <a:p>
             <a:fld id="{F64A8E5F-40E5-4553-9F3C-699F1A5B8145}" type="datetimeFigureOut">
               <a:rPr lang="de-DE" smtClean="0"/>
-              <a:t>28.08.2023</a:t>
+              <a:t>29.08.2023</a:t>
             </a:fld>
             <a:endParaRPr lang="de-DE"/>
           </a:p>
@@ -4662,7 +4662,7 @@
             <a:fld id="{B61BEF0D-F0BB-DE4B-95CE-6DB70DBA9567}" type="datetimeFigureOut">
               <a:rPr lang="en-US" dirty="0"/>
               <a:pPr/>
-              <a:t>8/28/2023</a:t>
+              <a:t>8/29/2023</a:t>
             </a:fld>
             <a:endParaRPr lang="en-US"/>
           </a:p>
@@ -4913,7 +4913,7 @@
             <a:fld id="{B61BEF0D-F0BB-DE4B-95CE-6DB70DBA9567}" type="datetimeFigureOut">
               <a:rPr lang="en-US" dirty="0"/>
               <a:pPr/>
-              <a:t>8/28/2023</a:t>
+              <a:t>8/29/2023</a:t>
             </a:fld>
             <a:endParaRPr lang="en-US"/>
           </a:p>
@@ -5221,7 +5221,7 @@
             <a:fld id="{B61BEF0D-F0BB-DE4B-95CE-6DB70DBA9567}" type="datetimeFigureOut">
               <a:rPr lang="en-US" dirty="0"/>
               <a:pPr/>
-              <a:t>8/28/2023</a:t>
+              <a:t>8/29/2023</a:t>
             </a:fld>
             <a:endParaRPr lang="en-US"/>
           </a:p>
@@ -5522,7 +5522,7 @@
             <a:fld id="{B61BEF0D-F0BB-DE4B-95CE-6DB70DBA9567}" type="datetimeFigureOut">
               <a:rPr lang="en-US" dirty="0"/>
               <a:pPr/>
-              <a:t>8/28/2023</a:t>
+              <a:t>8/29/2023</a:t>
             </a:fld>
             <a:endParaRPr lang="en-US"/>
           </a:p>
@@ -5943,7 +5943,7 @@
             <a:fld id="{B61BEF0D-F0BB-DE4B-95CE-6DB70DBA9567}" type="datetimeFigureOut">
               <a:rPr lang="en-US" dirty="0"/>
               <a:pPr/>
-              <a:t>8/28/2023</a:t>
+              <a:t>8/29/2023</a:t>
             </a:fld>
             <a:endParaRPr lang="en-US"/>
           </a:p>
@@ -6106,7 +6106,7 @@
             <a:fld id="{B61BEF0D-F0BB-DE4B-95CE-6DB70DBA9567}" type="datetimeFigureOut">
               <a:rPr lang="en-US" dirty="0"/>
               <a:pPr/>
-              <a:t>8/28/2023</a:t>
+              <a:t>8/29/2023</a:t>
             </a:fld>
             <a:endParaRPr lang="en-US"/>
           </a:p>
@@ -6203,7 +6203,7 @@
             <a:fld id="{B61BEF0D-F0BB-DE4B-95CE-6DB70DBA9567}" type="datetimeFigureOut">
               <a:rPr lang="en-US" dirty="0"/>
               <a:pPr/>
-              <a:t>8/28/2023</a:t>
+              <a:t>8/29/2023</a:t>
             </a:fld>
             <a:endParaRPr lang="en-US"/>
           </a:p>
@@ -6581,7 +6581,7 @@
             <a:fld id="{B61BEF0D-F0BB-DE4B-95CE-6DB70DBA9567}" type="datetimeFigureOut">
               <a:rPr lang="en-US" dirty="0"/>
               <a:pPr/>
-              <a:t>8/28/2023</a:t>
+              <a:t>8/29/2023</a:t>
             </a:fld>
             <a:endParaRPr lang="en-US"/>
           </a:p>
@@ -6774,7 +6774,7 @@
           <a:p>
             <a:fld id="{F64A8E5F-40E5-4553-9F3C-699F1A5B8145}" type="datetimeFigureOut">
               <a:rPr lang="de-DE" smtClean="0"/>
-              <a:t>28.08.2023</a:t>
+              <a:t>29.08.2023</a:t>
             </a:fld>
             <a:endParaRPr lang="de-DE"/>
           </a:p>
@@ -7037,7 +7037,7 @@
             <a:fld id="{B61BEF0D-F0BB-DE4B-95CE-6DB70DBA9567}" type="datetimeFigureOut">
               <a:rPr lang="en-US" dirty="0"/>
               <a:pPr/>
-              <a:t>8/28/2023</a:t>
+              <a:t>8/29/2023</a:t>
             </a:fld>
             <a:endParaRPr lang="en-US"/>
           </a:p>
@@ -7267,7 +7267,7 @@
             <a:fld id="{B61BEF0D-F0BB-DE4B-95CE-6DB70DBA9567}" type="datetimeFigureOut">
               <a:rPr lang="en-US" dirty="0"/>
               <a:pPr/>
-              <a:t>8/28/2023</a:t>
+              <a:t>8/29/2023</a:t>
             </a:fld>
             <a:endParaRPr lang="en-US"/>
           </a:p>
@@ -7502,7 +7502,7 @@
             <a:fld id="{B61BEF0D-F0BB-DE4B-95CE-6DB70DBA9567}" type="datetimeFigureOut">
               <a:rPr lang="en-US" dirty="0"/>
               <a:pPr/>
-              <a:t>8/28/2023</a:t>
+              <a:t>8/29/2023</a:t>
             </a:fld>
             <a:endParaRPr lang="en-US"/>
           </a:p>
@@ -7770,7 +7770,7 @@
           <a:p>
             <a:fld id="{F64A8E5F-40E5-4553-9F3C-699F1A5B8145}" type="datetimeFigureOut">
               <a:rPr lang="de-DE" smtClean="0"/>
-              <a:t>28.08.2023</a:t>
+              <a:t>29.08.2023</a:t>
             </a:fld>
             <a:endParaRPr lang="de-DE"/>
           </a:p>
@@ -8002,7 +8002,7 @@
           <a:p>
             <a:fld id="{F64A8E5F-40E5-4553-9F3C-699F1A5B8145}" type="datetimeFigureOut">
               <a:rPr lang="de-DE" smtClean="0"/>
-              <a:t>28.08.2023</a:t>
+              <a:t>29.08.2023</a:t>
             </a:fld>
             <a:endParaRPr lang="de-DE"/>
           </a:p>
@@ -8369,7 +8369,7 @@
           <a:p>
             <a:fld id="{F64A8E5F-40E5-4553-9F3C-699F1A5B8145}" type="datetimeFigureOut">
               <a:rPr lang="de-DE" smtClean="0"/>
-              <a:t>28.08.2023</a:t>
+              <a:t>29.08.2023</a:t>
             </a:fld>
             <a:endParaRPr lang="de-DE"/>
           </a:p>
@@ -8487,7 +8487,7 @@
           <a:p>
             <a:fld id="{F64A8E5F-40E5-4553-9F3C-699F1A5B8145}" type="datetimeFigureOut">
               <a:rPr lang="de-DE" smtClean="0"/>
-              <a:t>28.08.2023</a:t>
+              <a:t>29.08.2023</a:t>
             </a:fld>
             <a:endParaRPr lang="de-DE"/>
           </a:p>
@@ -8582,7 +8582,7 @@
           <a:p>
             <a:fld id="{F64A8E5F-40E5-4553-9F3C-699F1A5B8145}" type="datetimeFigureOut">
               <a:rPr lang="de-DE" smtClean="0"/>
-              <a:t>28.08.2023</a:t>
+              <a:t>29.08.2023</a:t>
             </a:fld>
             <a:endParaRPr lang="de-DE"/>
           </a:p>
@@ -8859,7 +8859,7 @@
           <a:p>
             <a:fld id="{F64A8E5F-40E5-4553-9F3C-699F1A5B8145}" type="datetimeFigureOut">
               <a:rPr lang="de-DE" smtClean="0"/>
-              <a:t>28.08.2023</a:t>
+              <a:t>29.08.2023</a:t>
             </a:fld>
             <a:endParaRPr lang="de-DE"/>
           </a:p>
@@ -9112,7 +9112,7 @@
           <a:p>
             <a:fld id="{F64A8E5F-40E5-4553-9F3C-699F1A5B8145}" type="datetimeFigureOut">
               <a:rPr lang="de-DE" smtClean="0"/>
-              <a:t>28.08.2023</a:t>
+              <a:t>29.08.2023</a:t>
             </a:fld>
             <a:endParaRPr lang="de-DE"/>
           </a:p>
@@ -9325,7 +9325,7 @@
           <a:p>
             <a:fld id="{F64A8E5F-40E5-4553-9F3C-699F1A5B8145}" type="datetimeFigureOut">
               <a:rPr lang="de-DE" smtClean="0"/>
-              <a:t>28.08.2023</a:t>
+              <a:t>29.08.2023</a:t>
             </a:fld>
             <a:endParaRPr lang="de-DE"/>
           </a:p>
@@ -9890,7 +9890,7 @@
             <a:fld id="{B61BEF0D-F0BB-DE4B-95CE-6DB70DBA9567}" type="datetimeFigureOut">
               <a:rPr lang="en-US" dirty="0"/>
               <a:pPr/>
-              <a:t>8/28/2023</a:t>
+              <a:t>8/29/2023</a:t>
             </a:fld>
             <a:endParaRPr lang="en-US"/>
           </a:p>
@@ -10789,6 +10789,13 @@
             <a:schemeClr val="lt1"/>
           </a:fontRef>
         </p:style>
+        <p:txBody>
+          <a:bodyPr/>
+          <a:lstStyle/>
+          <a:p>
+            <a:endParaRPr lang="it-IT"/>
+          </a:p>
+        </p:txBody>
       </p:sp>
       <p:sp>
         <p:nvSpPr>
@@ -11250,7 +11257,7 @@
               <a:t>La lettura della priorità della task in esame. Il dato è contenuto nel campo </a:t>
             </a:r>
             <a:r>
-              <a:rPr lang="it-IT" sz="2200" i="1" err="1"/>
+              <a:rPr lang="it-IT" sz="2200" i="1" dirty="0" err="1"/>
               <a:t>prio</a:t>
             </a:r>
             <a:r>
@@ -11258,7 +11265,7 @@
               <a:t> della </a:t>
             </a:r>
             <a:r>
-              <a:rPr lang="it-IT" sz="2200" err="1"/>
+              <a:rPr lang="it-IT" sz="2200" dirty="0" err="1"/>
               <a:t>struct</a:t>
             </a:r>
             <a:r>
@@ -11271,7 +11278,7 @@
             </a:r>
             <a:r>
               <a:rPr lang="it-IT" sz="2200" dirty="0"/>
-              <a:t>, a sua volta attributo della task</a:t>
+              <a:t>, a sua volta attributo della task.</a:t>
             </a:r>
           </a:p>
         </p:txBody>
@@ -11507,7 +11514,7 @@
             <a:pPr marL="305435" indent="-305435"/>
             <a:r>
               <a:rPr lang="it-IT" sz="2200" dirty="0"/>
-              <a:t>La strategia adottata per la selezione delle task. La condizione '&lt;=' assicura che in caso di parità prenderemo l'altro processo invece di quello corrente </a:t>
+              <a:t>La strategia adottata per la selezione delle task. La condizione '&lt;=' assicura che in caso di parità prenderemo l'altro processo invece di quello corrente. </a:t>
             </a:r>
           </a:p>
         </p:txBody>
@@ -11743,7 +11750,7 @@
             <a:pPr marL="305435" indent="-305435"/>
             <a:r>
               <a:rPr lang="it-IT" sz="2200" dirty="0"/>
-              <a:t>Per vedere il codice per intero (salvo queste parti mancanti nell'originale) si faccia riferimento alle slide sulla gestione dei processi precedentemente citate</a:t>
+              <a:t>Per vedere il codice per intero (salvo queste parti mancanti nell'originale) si faccia riferimento alle slide sulla gestione dei processi precedentemente citate.</a:t>
             </a:r>
           </a:p>
         </p:txBody>
@@ -11859,7 +11866,7 @@
               <a:t>Similmente al PF, anche il CFS si trova quasi completamente implementato nel codice di </a:t>
             </a:r>
             <a:r>
-              <a:rPr lang="it-IT" sz="2400" err="1"/>
+              <a:rPr lang="it-IT" sz="2400" dirty="0" err="1"/>
               <a:t>MentOS</a:t>
             </a:r>
             <a:r>
@@ -11867,7 +11874,7 @@
               <a:t> di base. Alla funzione in sé mancavano le stesse parti di PF (salvo dover leggere il </a:t>
             </a:r>
             <a:r>
-              <a:rPr lang="it-IT" sz="2400" i="1" err="1"/>
+              <a:rPr lang="it-IT" sz="2400" i="1" dirty="0" err="1"/>
               <a:t>vruntime</a:t>
             </a:r>
             <a:r>
@@ -11876,7 +11883,7 @@
             </a:r>
             <a:r>
               <a:rPr lang="it-IT" sz="2400" dirty="0"/>
-              <a:t>invece della priorità)</a:t>
+              <a:t>invece della priorità).</a:t>
             </a:r>
           </a:p>
           <a:p>
@@ -11886,12 +11893,12 @@
               <a:t>L'algoritmo CFS prevede una funzione supplementare con il compito di aggiornare i pesi delle task (ovvero i </a:t>
             </a:r>
             <a:r>
-              <a:rPr lang="it-IT" sz="2400" err="1"/>
+              <a:rPr lang="it-IT" sz="2400" dirty="0" err="1"/>
               <a:t>vruntime</a:t>
             </a:r>
             <a:r>
               <a:rPr lang="it-IT" sz="2400" dirty="0"/>
-              <a:t>).  Anche questa funzione presentava già uno "scheletro", seppur meno completo della funzione di scheduling stessa</a:t>
+              <a:t>).  Anche questa funzione presentava già uno "scheletro", seppur meno completo della funzione di scheduling stessa.</a:t>
             </a:r>
           </a:p>
           <a:p>
@@ -11910,7 +11917,7 @@
             </a:r>
             <a:r>
               <a:rPr lang="it-IT" sz="2400" dirty="0"/>
-              <a:t> prende come parametri i medesimi visti per la PF e restituisce sempre la nuova task scelta</a:t>
+              <a:t> prende come parametri i medesimi visti per la PF e restituisce sempre la nuova task scelta.</a:t>
             </a:r>
           </a:p>
           <a:p>
@@ -11927,7 +11934,7 @@
               <a:t>__</a:t>
             </a:r>
             <a:r>
-              <a:rPr lang="it-IT" sz="2400" i="1" err="1">
+              <a:rPr lang="it-IT" sz="2400" i="1" dirty="0" err="1">
                 <a:ea typeface="+mn-lt"/>
                 <a:cs typeface="+mn-lt"/>
               </a:rPr>
@@ -11941,7 +11948,7 @@
               <a:t>, prende come parametro solo la task corrente, e viene invocata dalla </a:t>
             </a:r>
             <a:r>
-              <a:rPr lang="it-IT" sz="2400" i="1" err="1">
+              <a:rPr lang="it-IT" sz="2400" i="1" dirty="0" err="1">
                 <a:ea typeface="+mn-lt"/>
                 <a:cs typeface="+mn-lt"/>
               </a:rPr>
@@ -11959,7 +11966,7 @@
                 <a:ea typeface="+mn-lt"/>
                 <a:cs typeface="+mn-lt"/>
               </a:rPr>
-              <a:t>prima della chiamata alla funzione di scheduling</a:t>
+              <a:t>prima della chiamata alla funzione di scheduling.</a:t>
             </a:r>
             <a:endParaRPr lang="it-IT" sz="2400" dirty="0"/>
           </a:p>
@@ -12229,7 +12236,7 @@
               <a:t>L'implementazione della funzione in se è molto semplice, si tratta in patica sempre di scorrere la lista di task in attesa, saltando quelle periodiche a seconda del valore del parametro booleano passato alla funzione, e scegliere la prossima task come quella con </a:t>
             </a:r>
             <a:r>
-              <a:rPr lang="it-IT" sz="2400" i="1" err="1"/>
+              <a:rPr lang="it-IT" sz="2400" i="1" dirty="0" err="1"/>
               <a:t>vruntime</a:t>
             </a:r>
             <a:r>
@@ -12237,7 +12244,7 @@
               <a:t> minimo (invece di confrontarne la priorità). Il fatto che il </a:t>
             </a:r>
             <a:r>
-              <a:rPr lang="it-IT" sz="2400" i="1" err="1"/>
+              <a:rPr lang="it-IT" sz="2400" i="1" dirty="0" err="1"/>
               <a:t>vruntime</a:t>
             </a:r>
             <a:r>
@@ -12245,10 +12252,13 @@
               <a:t> cambi dinamicamente e indipendentemente rispetto agli altri ci assicura che una task non possa rimanere troppo a lungo in possesso della </a:t>
             </a:r>
             <a:r>
-              <a:rPr lang="it-IT" sz="2400" err="1"/>
+              <a:rPr lang="it-IT" sz="2400" dirty="0" err="1"/>
               <a:t>cpu</a:t>
             </a:r>
-            <a:endParaRPr lang="it-IT" sz="2400" dirty="0"/>
+            <a:r>
+              <a:rPr lang="it-IT" sz="2400" dirty="0"/>
+              <a:t>.</a:t>
+            </a:r>
           </a:p>
           <a:p>
             <a:pPr marL="305435" indent="-305435"/>
@@ -12552,7 +12562,7 @@
               <a:t>Più interessante è l'implementazione della funzione di aggiornamento del </a:t>
             </a:r>
             <a:r>
-              <a:rPr lang="it-IT" sz="2200" i="1" err="1"/>
+              <a:rPr lang="it-IT" sz="2200" i="1" dirty="0" err="1"/>
               <a:t>vruntime</a:t>
             </a:r>
             <a:r>
@@ -12595,7 +12605,7 @@
             </a:r>
             <a:r>
               <a:rPr lang="it-IT" sz="2200" dirty="0"/>
-              <a:t>) come differenza tra adesso ed il tempo d'inizio dell'esecuzione.</a:t>
+              <a:t>) come differenza tra adesso ed il tempo d'inizio dell'esecuzione;</a:t>
             </a:r>
             <a:endParaRPr lang="it-IT" sz="2200" i="1" dirty="0"/>
           </a:p>
@@ -12608,12 +12618,12 @@
               <a:t>A questo punto si calcola il peso della task usando una tabella che correla priorità e peso, e in caso questo peso non corrispondesse al carico di default (NICE_0_LOAD) si scala il </a:t>
             </a:r>
             <a:r>
-              <a:rPr lang="it-IT" sz="2200" i="1" err="1"/>
+              <a:rPr lang="it-IT" sz="2200" i="1" dirty="0" err="1"/>
               <a:t>delta_exec</a:t>
             </a:r>
             <a:r>
               <a:rPr lang="it-IT" sz="2200" dirty="0"/>
-              <a:t> della task. </a:t>
+              <a:t> della task; </a:t>
             </a:r>
           </a:p>
           <a:p>
@@ -12625,7 +12635,7 @@
               <a:t>A questo punto si aggiorna il </a:t>
             </a:r>
             <a:r>
-              <a:rPr lang="it-IT" sz="2200" i="1" err="1"/>
+              <a:rPr lang="it-IT" sz="2200" i="1" dirty="0" err="1"/>
               <a:t>vruntime</a:t>
             </a:r>
             <a:r>
@@ -12633,10 +12643,13 @@
               <a:t> della task aggiungendovi il </a:t>
             </a:r>
             <a:r>
-              <a:rPr lang="it-IT" sz="2200" i="1" err="1"/>
+              <a:rPr lang="it-IT" sz="2200" i="1" dirty="0" err="1"/>
               <a:t>delta_exec</a:t>
             </a:r>
-            <a:endParaRPr lang="it-IT" sz="2200" i="1"/>
+            <a:r>
+              <a:rPr lang="it-IT" sz="2200" i="1" dirty="0"/>
+              <a:t>.</a:t>
+            </a:r>
           </a:p>
           <a:p>
             <a:pPr marL="305435" indent="-305435"/>
@@ -12798,7 +12811,7 @@
             </a:r>
             <a:r>
               <a:rPr lang="it-IT" sz="2200" dirty="0"/>
-              <a:t>. minore il periodo della task), maggiore sarà la priorità</a:t>
+              <a:t>. minore il periodo della task), maggiore sarà la priorità.</a:t>
             </a:r>
           </a:p>
           <a:p>
@@ -12837,7 +12850,7 @@
             </a:r>
             <a:r>
               <a:rPr lang="it-IT" sz="2200" dirty="0"/>
-              <a:t>. la task attuale può essere interrotta per dare priorità ad un'altra)</a:t>
+              <a:t>. la task attuale può essere interrotta per dare priorità ad un'altra).</a:t>
             </a:r>
           </a:p>
           <a:p>
@@ -12864,7 +12877,7 @@
             </a:r>
             <a:r>
               <a:rPr lang="it-IT" sz="2200" dirty="0"/>
-              <a:t>potendo in questo modo gestire sia task periodiche sia aperiodiche nella stessa coda di esecuzione</a:t>
+              <a:t>potendo in questo modo gestire sia task periodiche sia aperiodiche nella stessa coda di esecuzione.</a:t>
             </a:r>
           </a:p>
         </p:txBody>
@@ -12949,7 +12962,7 @@
             </a:r>
             <a:r>
               <a:rPr lang="it-IT" sz="2000" dirty="0"/>
-              <a:t>a falso)</a:t>
+              <a:t>a falso).</a:t>
             </a:r>
           </a:p>
           <a:p>
@@ -12959,7 +12972,7 @@
               <a:t>Se la entry trovata non è quella appena eseguita, si controlla che sia quella con il </a:t>
             </a:r>
             <a:r>
-              <a:rPr lang="it-IT" sz="2000" i="1" err="1"/>
+              <a:rPr lang="it-IT" sz="2000" i="1" dirty="0" err="1"/>
               <a:t>se.next_period</a:t>
             </a:r>
             <a:r>
@@ -12971,10 +12984,13 @@
               <a:t>più vicino e in caso affermativo la si prende come </a:t>
             </a:r>
             <a:r>
-              <a:rPr lang="it-IT" sz="2000" err="1"/>
+              <a:rPr lang="it-IT" sz="2000" dirty="0" err="1"/>
               <a:t>next</a:t>
             </a:r>
-            <a:endParaRPr lang="it-IT" sz="2000"/>
+            <a:r>
+              <a:rPr lang="it-IT" sz="2000" dirty="0"/>
+              <a:t>.</a:t>
+            </a:r>
           </a:p>
           <a:p>
             <a:pPr marL="305435" indent="-305435"/>
@@ -12983,7 +12999,7 @@
               <a:t>Se terminato il ciclo sulla </a:t>
             </a:r>
             <a:r>
-              <a:rPr lang="it-IT" sz="2000" err="1"/>
+              <a:rPr lang="it-IT" sz="2000" dirty="0" err="1"/>
               <a:t>queue</a:t>
             </a:r>
             <a:r>
@@ -12991,12 +13007,12 @@
               <a:t> non si ha ancora trovato un </a:t>
             </a:r>
             <a:r>
-              <a:rPr lang="it-IT" sz="2000" err="1"/>
+              <a:rPr lang="it-IT" sz="2000" dirty="0" err="1"/>
               <a:t>next</a:t>
             </a:r>
             <a:r>
               <a:rPr lang="it-IT" sz="2000" dirty="0"/>
-              <a:t>, si procede con lo scheduling CFS</a:t>
+              <a:t>, si procede con lo scheduling CFS.</a:t>
             </a:r>
           </a:p>
         </p:txBody>
@@ -13126,7 +13142,7 @@
             <a:pPr marL="305435" indent="-305435"/>
             <a:r>
               <a:rPr lang="it-IT" sz="2400" dirty="0"/>
-              <a:t>Questo algoritmo si basa sul selezionare la task con la deadline più vicina</a:t>
+              <a:t>Questo algoritmo si basa sul selezionare la task con la deadline più vicina.</a:t>
             </a:r>
           </a:p>
           <a:p>
@@ -13136,26 +13152,26 @@
               <a:t>Come il precedente, anche questo algoritmo consente di gestire automaticamente la </a:t>
             </a:r>
             <a:r>
-              <a:rPr lang="it-IT" sz="2400" err="1"/>
+              <a:rPr lang="it-IT" sz="2400" dirty="0" err="1"/>
               <a:t>pre-emption</a:t>
             </a:r>
             <a:r>
               <a:rPr lang="it-IT" sz="2400" dirty="0"/>
-              <a:t> e l'arrivo dinamico di task nella coda d'esecuzione</a:t>
+              <a:t> e l'arrivo dinamico di task nella coda d'esecuzione.</a:t>
             </a:r>
           </a:p>
           <a:p>
             <a:pPr marL="305435" indent="-305435"/>
             <a:r>
               <a:rPr lang="it-IT" sz="2400" dirty="0"/>
-              <a:t>L'implementazione è pressoché identica al precedente, pertanto nella slide seguente ci limiteremo ad evidenziare le parti di codice che differiscono, ovvero quelle relative alla condizione di scelta della task successiva</a:t>
+              <a:t>L'implementazione è pressoché identica al precedente, pertanto nella slide seguente ci limiteremo ad evidenziare le parti di codice che differiscono, ovvero quelle relative alla condizione di scelta della task successiva.</a:t>
             </a:r>
           </a:p>
           <a:p>
             <a:pPr marL="305435" indent="-305435"/>
             <a:r>
               <a:rPr lang="it-IT" sz="2400" dirty="0"/>
-              <a:t>Anche in questo caso, se una volta terminate le iterazioni sulla coda non si è trovata nessuna task periodica che rispetti i criteri, si invoca la CFS</a:t>
+              <a:t>Anche in questo caso, se una volta terminate le iterazioni sulla coda non si è trovata nessuna task periodica che rispetti i criteri, si invoca la CFS.</a:t>
             </a:r>
           </a:p>
         </p:txBody>
@@ -13221,7 +13237,7 @@
             <a:pPr marL="305435" indent="-305435"/>
             <a:r>
               <a:rPr lang="it-IT" sz="2400" dirty="0"/>
-              <a:t>Questa volta siamo alla ricerca della deadline più vicina (ovvero quella più piccola)</a:t>
+              <a:t>Questa volta siamo alla ricerca della deadline più vicina (ovvero quella più piccola).</a:t>
             </a:r>
           </a:p>
         </p:txBody>
@@ -13517,7 +13533,7 @@
             <a:pPr marL="305435" indent="-305435"/>
             <a:r>
               <a:rPr lang="it-IT" sz="2400" dirty="0"/>
-              <a:t>Verifico che la task in esame non sia l'ultima eseguita e che abbia la deadline più prossima tra quelle trovate finora</a:t>
+              <a:t>Verifico che la task in esame non sia l'ultima eseguita e che abbia la deadline più prossima tra quelle trovate finora.</a:t>
             </a:r>
           </a:p>
           <a:p>
@@ -13537,6 +13553,10 @@
             <a:r>
               <a:rPr lang="it-IT" sz="2400" i="1" dirty="0" err="1"/>
               <a:t>runqueue</a:t>
+            </a:r>
+            <a:r>
+              <a:rPr lang="it-IT" sz="2400" i="1" dirty="0"/>
+              <a:t>.</a:t>
             </a:r>
           </a:p>
         </p:txBody>
@@ -13640,13 +13660,16 @@
               <a:rPr lang="it-IT" sz="2400" dirty="0" err="1"/>
               <a:t>schedulabilità</a:t>
             </a:r>
-            <a:endParaRPr lang="it-IT" sz="2400" dirty="0"/>
+            <a:r>
+              <a:rPr lang="it-IT" sz="2400" dirty="0"/>
+              <a:t>.</a:t>
+            </a:r>
           </a:p>
           <a:p>
             <a:pPr marL="305435" indent="-305435"/>
             <a:r>
               <a:rPr lang="it-IT" sz="2400" dirty="0"/>
-              <a:t>Può quindi portare alcune task a mancare la propria deadline, come conseguenza di quanto detto sopra</a:t>
+              <a:t>Può quindi portare alcune task a mancare la propria deadline, come conseguenza di quanto detto sopra.</a:t>
             </a:r>
           </a:p>
           <a:p>
@@ -13659,12 +13682,17 @@
               <a:rPr lang="it-IT" sz="2400" b="1" dirty="0"/>
               <a:t>aperiodiche</a:t>
             </a:r>
+            <a:r>
+              <a:rPr lang="it-IT" sz="2400" dirty="0"/>
+              <a:t>.</a:t>
+            </a:r>
+            <a:endParaRPr lang="it-IT" sz="2400" b="1" dirty="0"/>
           </a:p>
           <a:p>
             <a:pPr marL="305435" indent="-305435"/>
             <a:r>
               <a:rPr lang="it-IT" sz="2400" dirty="0"/>
-              <a:t>Rimane tuttavia la scelta basata sulla prossimità della deadline per la prossima task </a:t>
+              <a:t>Rimane tuttavia la scelta basata sulla prossimità della deadline per la prossima task. </a:t>
             </a:r>
             <a:endParaRPr lang="it-IT" sz="2400" b="1" dirty="0"/>
           </a:p>
@@ -13774,7 +13802,7 @@
               <a:t>assegnare priorità ai task in base al loro livello di "</a:t>
             </a:r>
             <a:r>
-              <a:rPr lang="it-IT" sz="2400" err="1">
+              <a:rPr lang="it-IT" sz="2400" dirty="0" err="1">
                 <a:ea typeface="+mn-lt"/>
                 <a:cs typeface="+mn-lt"/>
               </a:rPr>
@@ -13788,7 +13816,7 @@
               <a:t>" (</a:t>
             </a:r>
             <a:r>
-              <a:rPr lang="it-IT" sz="2400" err="1">
+              <a:rPr lang="it-IT" sz="2400" dirty="0" err="1">
                 <a:ea typeface="+mn-lt"/>
                 <a:cs typeface="+mn-lt"/>
               </a:rPr>
@@ -13799,7 +13827,7 @@
                 <a:ea typeface="+mn-lt"/>
                 <a:cs typeface="+mn-lt"/>
               </a:rPr>
-              <a:t>)</a:t>
+              <a:t>).</a:t>
             </a:r>
           </a:p>
           <a:p>
@@ -13809,7 +13837,7 @@
               <a:t>La </a:t>
             </a:r>
             <a:r>
-              <a:rPr lang="it-IT" sz="2400" err="1"/>
+              <a:rPr lang="it-IT" sz="2400" dirty="0" err="1"/>
               <a:t>laxity</a:t>
             </a:r>
             <a:r>
@@ -13824,7 +13852,7 @@
               <a:t>il tempo rimanente prima della sua scadenza meno il tempo di esecuzione rimanente. In altre parole, la </a:t>
             </a:r>
             <a:r>
-              <a:rPr lang="it-IT" sz="2400" err="1">
+              <a:rPr lang="it-IT" sz="2400" dirty="0" err="1">
                 <a:ea typeface="+mn-lt"/>
                 <a:cs typeface="+mn-lt"/>
               </a:rPr>
@@ -13835,7 +13863,7 @@
                 <a:ea typeface="+mn-lt"/>
                 <a:cs typeface="+mn-lt"/>
               </a:rPr>
-              <a:t> rappresenta quanto tempo un task può attendere prima di essere eseguito senza compromettere la sua scadenza</a:t>
+              <a:t> rappresenta quanto tempo un task può attendere prima di essere eseguito senza compromettere la sua scadenza.</a:t>
             </a:r>
           </a:p>
           <a:p>
@@ -13845,7 +13873,7 @@
                 <a:ea typeface="+mn-lt"/>
                 <a:cs typeface="+mn-lt"/>
               </a:rPr>
-              <a:t>L'obiettivo principale dell'algoritmo LLF è massimizzare il rispetto delle scadenze, poiché le task con scadenze più vicine e meno margine di tempo dovrebbero essere eseguite prima</a:t>
+              <a:t>L'obiettivo principale dell'algoritmo LLF è massimizzare il rispetto delle scadenze, poiché le task con scadenze più vicine e meno margine di tempo dovrebbero essere eseguite prima.</a:t>
             </a:r>
             <a:endParaRPr lang="it-IT" sz="2400" dirty="0"/>
           </a:p>
@@ -14179,7 +14207,7 @@
           <a:p>
             <a:pPr marL="305435" indent="-305435"/>
             <a:r>
-              <a:rPr lang="it-IT" sz="2000" err="1"/>
+              <a:rPr lang="it-IT" sz="2000" dirty="0" err="1"/>
               <a:t>MentOS</a:t>
             </a:r>
             <a:r>
@@ -14197,7 +14225,7 @@
           <a:p>
             <a:pPr marL="629920" lvl="1" indent="-305435"/>
             <a:r>
-              <a:rPr lang="it-IT" sz="2000" err="1"/>
+              <a:rPr lang="it-IT" sz="2000" dirty="0" err="1"/>
               <a:t>Priority</a:t>
             </a:r>
             <a:r>
@@ -14208,7 +14236,7 @@
           <a:p>
             <a:pPr marL="629920" lvl="1" indent="-305435"/>
             <a:r>
-              <a:rPr lang="it-IT" sz="2000" err="1"/>
+              <a:rPr lang="it-IT" sz="2000" dirty="0" err="1"/>
               <a:t>Completely</a:t>
             </a:r>
             <a:r>
@@ -14223,7 +14251,7 @@
               <a:t>Rate </a:t>
             </a:r>
             <a:r>
-              <a:rPr lang="it-IT" sz="2000" err="1"/>
+              <a:rPr lang="it-IT" sz="2000" dirty="0" err="1"/>
               <a:t>Monotonic</a:t>
             </a:r>
             <a:r>
@@ -14234,7 +14262,7 @@
           <a:p>
             <a:pPr marL="629920" lvl="1" indent="-305435"/>
             <a:r>
-              <a:rPr lang="it-IT" sz="2000" err="1"/>
+              <a:rPr lang="it-IT" sz="2000" dirty="0" err="1"/>
               <a:t>Earliest</a:t>
             </a:r>
             <a:r>
@@ -14245,7 +14273,7 @@
           <a:p>
             <a:pPr marL="629920" lvl="1" indent="-305435"/>
             <a:r>
-              <a:rPr lang="it-IT" sz="2000" err="1"/>
+              <a:rPr lang="it-IT" sz="2000" dirty="0" err="1"/>
               <a:t>Aperiodic</a:t>
             </a:r>
             <a:r>
@@ -14260,12 +14288,12 @@
               <a:t>Di questi, nel codice di base di </a:t>
             </a:r>
             <a:r>
-              <a:rPr lang="it-IT" sz="2000" err="1"/>
+              <a:rPr lang="it-IT" sz="2000" dirty="0" err="1"/>
               <a:t>MentOS</a:t>
             </a:r>
             <a:r>
               <a:rPr lang="it-IT" sz="2000" dirty="0"/>
-              <a:t>, solo il RR è effettivamente implementato, il secondo e il terzo sono quasi completi ma privi della parte fondamentale di selezione del prossimo task, mentre gli ultimi tre sono completamente vuoti (se no per la chiamata al RR nel caso in cui vengano erroneamente selezionati)</a:t>
+              <a:t>, solo il RR è effettivamente implementato, il secondo e il terzo sono quasi completi ma privi della parte fondamentale di selezione del prossimo task, mentre gli ultimi tre sono completamente vuoti (se no per la chiamata al RR nel caso in cui vengano erroneamente selezionati).</a:t>
             </a:r>
           </a:p>
         </p:txBody>
@@ -14340,7 +14368,7 @@
             </a:pPr>
             <a:r>
               <a:rPr lang="it-IT" sz="2000" dirty="0"/>
-              <a:t>Ciclo la coda di esecuzione</a:t>
+              <a:t>Ciclo la coda di esecuzione;</a:t>
             </a:r>
           </a:p>
           <a:p>
@@ -14349,7 +14377,7 @@
             </a:pPr>
             <a:r>
               <a:rPr lang="it-IT" sz="2000" dirty="0"/>
-              <a:t>Ad ogni elemento, aggiorno flag e periodo se è l'ultima task eseguita, ed effettuo altri controlli (es: se è periodico)</a:t>
+              <a:t>Ad ogni elemento, aggiorno flag e periodo se è l'ultima task eseguita, ed effettuo altri controlli (es: se è periodico);</a:t>
             </a:r>
           </a:p>
           <a:p>
@@ -14361,7 +14389,7 @@
               <a:t>Una volta trovata una entry valida verifico che sia quella con </a:t>
             </a:r>
             <a:r>
-              <a:rPr lang="it-IT" sz="2000" err="1"/>
+              <a:rPr lang="it-IT" sz="2000" dirty="0" err="1"/>
               <a:t>laxity</a:t>
             </a:r>
             <a:r>
@@ -14369,7 +14397,7 @@
               <a:t> minima, in caso affermativo la salvo in </a:t>
             </a:r>
             <a:r>
-              <a:rPr lang="it-IT" sz="2000" i="1" err="1"/>
+              <a:rPr lang="it-IT" sz="2000" i="1" dirty="0" err="1"/>
               <a:t>next</a:t>
             </a:r>
             <a:r>
@@ -14381,12 +14409,12 @@
               <a:t>e aggiorno la </a:t>
             </a:r>
             <a:r>
-              <a:rPr lang="it-IT" sz="2000" err="1"/>
+              <a:rPr lang="it-IT" sz="2000" dirty="0" err="1"/>
               <a:t>laxity</a:t>
             </a:r>
             <a:r>
               <a:rPr lang="it-IT" sz="2000" dirty="0"/>
-              <a:t> minima</a:t>
+              <a:t> minima;</a:t>
             </a:r>
           </a:p>
           <a:p>
@@ -14395,7 +14423,7 @@
             </a:pPr>
             <a:r>
               <a:rPr lang="it-IT" sz="2000" dirty="0"/>
-              <a:t>Una volta terminata la lista, restituisco l'entry se l'ho trovata, altrimenti invoco la CFS</a:t>
+              <a:t>Una volta terminata la lista, restituisco l'entry se l'ho trovata, altrimenti invoco la CFS.</a:t>
             </a:r>
           </a:p>
           <a:p>
@@ -14405,7 +14433,7 @@
               <a:t>Al contrario di quelli visti in precedenza, per questo algoritmo non esiste nemmeno il supporto "scheletrico" nel codice di base di </a:t>
             </a:r>
             <a:r>
-              <a:rPr lang="it-IT" sz="2200" err="1"/>
+              <a:rPr lang="it-IT" sz="2200" dirty="0" err="1"/>
               <a:t>MentOS</a:t>
             </a:r>
             <a:r>
@@ -14413,7 +14441,7 @@
               <a:t>. Per poter effettuare la compilazione condizionale, è stato quindi necessario andare a modificare il file </a:t>
             </a:r>
             <a:r>
-              <a:rPr lang="it-IT" sz="2200" err="1"/>
+              <a:rPr lang="it-IT" sz="2200" dirty="0" err="1"/>
               <a:t>mentos</a:t>
             </a:r>
             <a:r>
@@ -14428,16 +14456,19 @@
               <a:t>SCHEDULER_LLF nella lista di opzioni per lo </a:t>
             </a:r>
             <a:r>
-              <a:rPr lang="it-IT" sz="2200" err="1">
+              <a:rPr lang="it-IT" sz="2200" dirty="0" err="1">
                 <a:ea typeface="+mn-lt"/>
                 <a:cs typeface="+mn-lt"/>
               </a:rPr>
               <a:t>scheduler</a:t>
             </a:r>
-            <a:endParaRPr lang="it-IT" sz="2200">
-              <a:ea typeface="+mn-lt"/>
-              <a:cs typeface="+mn-lt"/>
-            </a:endParaRPr>
+            <a:r>
+              <a:rPr lang="it-IT" sz="2200" dirty="0">
+                <a:ea typeface="+mn-lt"/>
+                <a:cs typeface="+mn-lt"/>
+              </a:rPr>
+              <a:t>.</a:t>
+            </a:r>
           </a:p>
           <a:p>
             <a:pPr marL="305435" indent="-305435"/>
@@ -14446,7 +14477,7 @@
               <a:t>È stato inoltre necessario modificare la funzione </a:t>
             </a:r>
             <a:r>
-              <a:rPr lang="it-IT" sz="2200" i="1" err="1"/>
+              <a:rPr lang="it-IT" sz="2200" i="1" dirty="0" err="1"/>
               <a:t>scheduler_pick_next_task</a:t>
             </a:r>
             <a:r>
@@ -14462,7 +14493,7 @@
               <a:t>__</a:t>
             </a:r>
             <a:r>
-              <a:rPr lang="it-IT" sz="2200" i="1" err="1"/>
+              <a:rPr lang="it-IT" sz="2200" i="1" dirty="0" err="1"/>
               <a:t>scheduler_llf</a:t>
             </a:r>
             <a:r>
@@ -14474,7 +14505,7 @@
               <a:t>__</a:t>
             </a:r>
             <a:r>
-              <a:rPr lang="it-IT" sz="2200" i="1" err="1"/>
+              <a:rPr lang="it-IT" sz="2200" i="1" dirty="0" err="1"/>
               <a:t>update_task_statistics</a:t>
             </a:r>
             <a:r>
@@ -14483,7 +14514,7 @@
             </a:r>
             <a:r>
               <a:rPr lang="it-IT" sz="2200" dirty="0"/>
-              <a:t>quando l'opzione è selezionata</a:t>
+              <a:t>quando l'opzione è selezionata.</a:t>
             </a:r>
           </a:p>
         </p:txBody>
@@ -14795,7 +14826,7 @@
             </a:r>
             <a:r>
               <a:rPr lang="it-IT" sz="2400" dirty="0"/>
-              <a:t>)</a:t>
+              <a:t>).</a:t>
             </a:r>
           </a:p>
           <a:p>
@@ -14810,7 +14841,7 @@
             </a:r>
             <a:r>
               <a:rPr lang="it-IT" sz="2400" dirty="0"/>
-              <a:t> viene calcolata come il tempo rimanente alla deadline meno il tempo totale d'esecuzione finora passato</a:t>
+              <a:t> viene calcolata come il tempo rimanente alla deadline meno il tempo totale d'esecuzione finora passato.</a:t>
             </a:r>
           </a:p>
           <a:p>
@@ -14824,14 +14855,14 @@
             <a:pPr marL="629920" lvl="1" indent="-457200"/>
             <a:r>
               <a:rPr lang="it-IT" sz="2200" dirty="0"/>
-              <a:t>Dev'essere periodico e aver terminato l'analisi</a:t>
+              <a:t>Dev'essere periodico e aver terminato l'analisi;</a:t>
             </a:r>
           </a:p>
           <a:p>
             <a:pPr marL="629920" lvl="1" indent="-457200"/>
             <a:r>
               <a:rPr lang="it-IT" sz="2200" dirty="0"/>
-              <a:t>Se è l'ultimo ad essere stato eseguito lo si aggiorna e si va avanti</a:t>
+              <a:t>Se è l'ultimo ad essere stato eseguito lo si aggiorna e si va avanti;</a:t>
             </a:r>
           </a:p>
           <a:p>
@@ -14841,7 +14872,7 @@
               <a:t>Se non è appena stato eseguito si controlla la </a:t>
             </a:r>
             <a:r>
-              <a:rPr lang="it-IT" sz="2200" err="1"/>
+              <a:rPr lang="it-IT" sz="2200" dirty="0" err="1"/>
               <a:t>laxity</a:t>
             </a:r>
             <a:r>
@@ -14849,10 +14880,13 @@
               <a:t> e se è la minima si salva la entry e si aggiorna </a:t>
             </a:r>
             <a:r>
-              <a:rPr lang="it-IT" sz="2200" i="1" err="1"/>
+              <a:rPr lang="it-IT" sz="2200" i="1" dirty="0" err="1"/>
               <a:t>min_lax</a:t>
             </a:r>
-            <a:endParaRPr lang="it-IT" sz="2200" err="1"/>
+            <a:r>
+              <a:rPr lang="it-IT" sz="2200" dirty="0"/>
+              <a:t>.</a:t>
+            </a:r>
           </a:p>
         </p:txBody>
       </p:sp>
@@ -15007,6 +15041,13 @@
             <a:schemeClr val="lt1"/>
           </a:fontRef>
         </p:style>
+        <p:txBody>
+          <a:bodyPr/>
+          <a:lstStyle/>
+          <a:p>
+            <a:endParaRPr lang="it-IT"/>
+          </a:p>
+        </p:txBody>
       </p:sp>
       <p:sp>
         <p:nvSpPr>
@@ -15129,6 +15170,13 @@
               <a:schemeClr val="lt1"/>
             </a:fontRef>
           </p:style>
+          <p:txBody>
+            <a:bodyPr/>
+            <a:lstStyle/>
+            <a:p>
+              <a:endParaRPr lang="it-IT"/>
+            </a:p>
+          </p:txBody>
         </p:sp>
         <p:sp>
           <p:nvSpPr>
@@ -15181,6 +15229,13 @@
               <a:schemeClr val="lt1"/>
             </a:fontRef>
           </p:style>
+          <p:txBody>
+            <a:bodyPr/>
+            <a:lstStyle/>
+            <a:p>
+              <a:endParaRPr lang="it-IT"/>
+            </a:p>
+          </p:txBody>
         </p:sp>
         <p:sp>
           <p:nvSpPr>
@@ -15233,6 +15288,13 @@
               <a:schemeClr val="lt1"/>
             </a:fontRef>
           </p:style>
+          <p:txBody>
+            <a:bodyPr/>
+            <a:lstStyle/>
+            <a:p>
+              <a:endParaRPr lang="it-IT"/>
+            </a:p>
+          </p:txBody>
         </p:sp>
       </p:grpSp>
       <p:graphicFrame>
@@ -15761,7 +15823,7 @@
             <a:pPr marL="305435" indent="-305435"/>
             <a:r>
               <a:rPr lang="it-IT" sz="2200" dirty="0"/>
-              <a:t>I vari algoritmi sono selezionabili al momento della compilazione del kernel</a:t>
+              <a:t>I vari algoritmi sono selezionabili al momento della compilazione del kernel:</a:t>
             </a:r>
           </a:p>
           <a:p>
@@ -15790,7 +15852,7 @@
               <a:rPr lang="it-IT" sz="2000" dirty="0">
                 <a:latin typeface="Gill Sans MT"/>
               </a:rPr>
-              <a:t>dove X è l'opzione definita per l'algoritmo desiderato.</a:t>
+              <a:t>dove X è l'opzione definita per l'algoritmo desiderato;</a:t>
             </a:r>
             <a:endParaRPr lang="it-IT" sz="2000" dirty="0"/>
           </a:p>
@@ -15839,7 +15901,7 @@
             </a:r>
             <a:r>
               <a:rPr lang="it-IT" sz="2000" dirty="0"/>
-              <a:t> salvando le impostazioni</a:t>
+              <a:t> salvando le impostazioni.</a:t>
             </a:r>
           </a:p>
           <a:p>
@@ -15882,7 +15944,7 @@
             </a:r>
             <a:r>
               <a:rPr lang="it-IT" sz="2200" dirty="0"/>
-              <a:t>) per selezionare la funzione corrispondente da invocare per la scelta della successiva task da eseguire</a:t>
+              <a:t>) per selezionare la funzione corrispondente da invocare per la scelta della successiva task da eseguire.</a:t>
             </a:r>
           </a:p>
         </p:txBody>
@@ -16000,7 +16062,7 @@
           <a:p>
             <a:pPr marL="305435" indent="-305435"/>
             <a:r>
-              <a:rPr lang="it-IT" sz="2800" err="1">
+              <a:rPr lang="it-IT" sz="2800" dirty="0" err="1">
                 <a:ea typeface="+mn-lt"/>
                 <a:cs typeface="+mn-lt"/>
               </a:rPr>
@@ -16011,7 +16073,7 @@
                 <a:ea typeface="+mn-lt"/>
                 <a:cs typeface="+mn-lt"/>
               </a:rPr>
-              <a:t> supporta il Real-Time scheduling (cioè che si concentra sull'esecuzione di task o processi entro determinati vincoli di tempo), pertanto la coda di esecuzione può contenere sia task periodiche sia aperiodiche</a:t>
+              <a:t> supporta il Real-Time scheduling (cioè che si concentra sull'esecuzione di task o processi entro determinati vincoli di tempo), pertanto la coda di esecuzione può contenere sia task periodiche sia aperiodiche.</a:t>
             </a:r>
           </a:p>
           <a:p>
@@ -16034,7 +16096,7 @@
               <a:t>In aggiunta ai tre precedenti, abbiamo deciso id implementare un ulteriore algoritmo di questo tipo, il </a:t>
             </a:r>
             <a:r>
-              <a:rPr lang="it-IT" sz="2800" i="1" err="1">
+              <a:rPr lang="it-IT" sz="2800" i="1" dirty="0" err="1">
                 <a:ea typeface="+mn-lt"/>
                 <a:cs typeface="+mn-lt"/>
               </a:rPr>
@@ -16048,7 +16110,7 @@
               <a:t> </a:t>
             </a:r>
             <a:r>
-              <a:rPr lang="it-IT" sz="2800" i="1" err="1">
+              <a:rPr lang="it-IT" sz="2800" i="1" dirty="0" err="1">
                 <a:ea typeface="+mn-lt"/>
                 <a:cs typeface="+mn-lt"/>
               </a:rPr>
@@ -16059,7 +16121,7 @@
                 <a:ea typeface="+mn-lt"/>
                 <a:cs typeface="+mn-lt"/>
               </a:rPr>
-              <a:t> First (LLF)</a:t>
+              <a:t> First (LLF).</a:t>
             </a:r>
           </a:p>
           <a:p>
@@ -16141,12 +16203,12 @@
               <a:t>analisi di </a:t>
             </a:r>
             <a:r>
-              <a:rPr lang="it-IT" sz="2400" b="1" err="1"/>
+              <a:rPr lang="it-IT" sz="2400" b="1" dirty="0" err="1"/>
               <a:t>schedulabilità</a:t>
             </a:r>
             <a:r>
               <a:rPr lang="it-IT" sz="2400" dirty="0"/>
-              <a:t>, che consiste nel verificare che l'aggiunta della task alla coda d'esecuzione non causi alle altre task di mancare le proprie deadline</a:t>
+              <a:t>, che consiste nel verificare che l'aggiunta della task alla coda d'esecuzione non causi alle altre task di mancare le proprie deadline.</a:t>
             </a:r>
           </a:p>
           <a:p>
@@ -16221,7 +16283,7 @@
             </a:r>
             <a:r>
               <a:rPr lang="it-IT" sz="2400" dirty="0"/>
-              <a:t>)</a:t>
+              <a:t>).</a:t>
             </a:r>
           </a:p>
           <a:p>
@@ -16236,7 +16298,7 @@
             </a:r>
             <a:r>
               <a:rPr lang="it-IT" sz="2400" dirty="0"/>
-              <a:t> definisce se la funzione è schedulabile o meno facendo riferimento all'algoritmo scelto e agli altri processi in coda</a:t>
+              <a:t> definisce se la funzione è schedulabile o meno facendo riferimento all'algoritmo scelto e agli altri processi in coda.</a:t>
             </a:r>
           </a:p>
           <a:p>
@@ -16271,7 +16333,7 @@
             </a:r>
             <a:r>
               <a:rPr lang="it-IT" sz="2400" dirty="0"/>
-              <a:t> base, quindi non verrà trattata all'interno di queste slides</a:t>
+              <a:t> base, quindi non verrà trattata all'interno di queste slides.</a:t>
             </a:r>
           </a:p>
         </p:txBody>
@@ -16580,12 +16642,12 @@
               <a:rPr lang="it-IT" sz="2800" dirty="0"/>
               <a:t> Di seguito riportiamo solo un elenco sommario delle strutture dati utilizzate:</a:t>
             </a:r>
-            <a:endParaRPr lang="it-IT" sz="2800" i="1"/>
+            <a:endParaRPr lang="it-IT" sz="2800" i="1" dirty="0"/>
           </a:p>
           <a:p>
             <a:pPr marL="629920" lvl="1" indent="-457200"/>
             <a:r>
-              <a:rPr lang="it-IT" sz="2400" i="1" err="1"/>
+              <a:rPr lang="it-IT" sz="2400" i="1" dirty="0" err="1"/>
               <a:t>runqueue_t</a:t>
             </a:r>
             <a:r>
@@ -16593,7 +16655,7 @@
               <a:t> </a:t>
             </a:r>
             <a:r>
-              <a:rPr lang="it-IT" sz="2400" i="1" err="1"/>
+              <a:rPr lang="it-IT" sz="2400" i="1" dirty="0" err="1"/>
               <a:t>runqueue</a:t>
             </a:r>
             <a:r>
@@ -16605,7 +16667,7 @@
               <a:t>dichiarata staticamente all'interno di </a:t>
             </a:r>
             <a:r>
-              <a:rPr lang="it-IT" sz="2400" i="1" err="1"/>
+              <a:rPr lang="it-IT" sz="2400" i="1" dirty="0" err="1"/>
               <a:t>src</a:t>
             </a:r>
             <a:r>
@@ -16613,7 +16675,7 @@
               <a:t>/</a:t>
             </a:r>
             <a:r>
-              <a:rPr lang="it-IT" sz="2400" i="1" err="1"/>
+              <a:rPr lang="it-IT" sz="2400" i="1" dirty="0" err="1"/>
               <a:t>process</a:t>
             </a:r>
             <a:r>
@@ -16621,7 +16683,7 @@
               <a:t>/</a:t>
             </a:r>
             <a:r>
-              <a:rPr lang="it-IT" sz="2400" i="1" err="1"/>
+              <a:rPr lang="it-IT" sz="2400" i="1" dirty="0" err="1"/>
               <a:t>scheduler.c</a:t>
             </a:r>
             <a:r>
@@ -16633,7 +16695,7 @@
               <a:t>è la coda di esecuzione delle task. Da questa lo </a:t>
             </a:r>
             <a:r>
-              <a:rPr lang="it-IT" sz="2400" err="1"/>
+              <a:rPr lang="it-IT" sz="2400" dirty="0" err="1"/>
               <a:t>scheduler</a:t>
             </a:r>
             <a:r>
@@ -16641,7 +16703,7 @@
               <a:t> deve selezionare la prossima task da eseguire. (Per una descrizione più dettagliata della </a:t>
             </a:r>
             <a:r>
-              <a:rPr lang="it-IT" sz="2400" err="1"/>
+              <a:rPr lang="it-IT" sz="2400" dirty="0" err="1"/>
               <a:t>struct</a:t>
             </a:r>
             <a:r>
@@ -16649,7 +16711,7 @@
               <a:t> si faccia riferimento alle slide "</a:t>
             </a:r>
             <a:r>
-              <a:rPr lang="it-IT" sz="2400" i="1" err="1"/>
+              <a:rPr lang="it-IT" sz="2400" i="1" dirty="0" err="1"/>
               <a:t>MentOS</a:t>
             </a:r>
             <a:r>
@@ -16657,7 +16719,7 @@
               <a:t> – </a:t>
             </a:r>
             <a:r>
-              <a:rPr lang="it-IT" sz="2400" i="1" err="1"/>
+              <a:rPr lang="it-IT" sz="2400" i="1" dirty="0" err="1"/>
               <a:t>Process</a:t>
             </a:r>
             <a:r>
@@ -16666,14 +16728,14 @@
             </a:r>
             <a:r>
               <a:rPr lang="it-IT" sz="2400" dirty="0"/>
-              <a:t>)</a:t>
+              <a:t>);</a:t>
             </a:r>
             <a:endParaRPr lang="it-IT" sz="2400" i="1" dirty="0"/>
           </a:p>
           <a:p>
             <a:pPr marL="629920" lvl="1" indent="-457200"/>
             <a:r>
-              <a:rPr lang="it-IT" sz="2400" i="1" err="1"/>
+              <a:rPr lang="it-IT" sz="2400" i="1" dirty="0" err="1"/>
               <a:t>task_struct</a:t>
             </a:r>
             <a:r>
@@ -16681,7 +16743,7 @@
               <a:t>: </a:t>
             </a:r>
             <a:r>
-              <a:rPr lang="it-IT" sz="2400" err="1"/>
+              <a:rPr lang="it-IT" sz="2400" dirty="0" err="1"/>
               <a:t>struct</a:t>
             </a:r>
             <a:r>
@@ -16689,15 +16751,18 @@
               <a:t> usata per rappresentare una task. Sono i nodi della </a:t>
             </a:r>
             <a:r>
-              <a:rPr lang="it-IT" sz="2400" err="1"/>
+              <a:rPr lang="it-IT" sz="2400" dirty="0" err="1"/>
               <a:t>runqueue</a:t>
             </a:r>
-            <a:endParaRPr lang="it-IT" sz="2400"/>
+            <a:r>
+              <a:rPr lang="it-IT" sz="2400" dirty="0"/>
+              <a:t>;</a:t>
+            </a:r>
           </a:p>
           <a:p>
             <a:pPr marL="629920" lvl="1" indent="-457200"/>
             <a:r>
-              <a:rPr lang="it-IT" sz="2400" i="1" err="1"/>
+              <a:rPr lang="it-IT" sz="2400" i="1" dirty="0" err="1"/>
               <a:t>scheduler_entity_t</a:t>
             </a:r>
             <a:r>
@@ -16709,7 +16774,7 @@
               <a:t>è la struttura dati che mantiene le informazioni utili alla schedulazione della singola task. Ogni </a:t>
             </a:r>
             <a:r>
-              <a:rPr lang="it-IT" sz="2400" i="1" err="1"/>
+              <a:rPr lang="it-IT" sz="2400" i="1" dirty="0" err="1"/>
               <a:t>task_struct</a:t>
             </a:r>
             <a:r>
@@ -16726,7 +16791,7 @@
             </a:r>
             <a:r>
               <a:rPr lang="it-IT" sz="2400" dirty="0"/>
-              <a:t>di questo tipo </a:t>
+              <a:t>di questo tipo. </a:t>
             </a:r>
           </a:p>
           <a:p>
@@ -17029,7 +17094,7 @@
               <a:t>La </a:t>
             </a:r>
             <a:r>
-              <a:rPr lang="it-IT" sz="2400" err="1"/>
+              <a:rPr lang="it-IT" sz="2400" dirty="0" err="1"/>
               <a:t>struct</a:t>
             </a:r>
             <a:r>
@@ -17037,7 +17102,7 @@
               <a:t> </a:t>
             </a:r>
             <a:r>
-              <a:rPr lang="it-IT" sz="2400" err="1"/>
+              <a:rPr lang="it-IT" sz="2400" dirty="0" err="1"/>
               <a:t>sched_entity_t</a:t>
             </a:r>
             <a:r>
@@ -17045,7 +17110,7 @@
               <a:t> come appare in </a:t>
             </a:r>
             <a:r>
-              <a:rPr lang="it-IT" sz="2400" i="1" err="1"/>
+              <a:rPr lang="it-IT" sz="2400" i="1" dirty="0" err="1"/>
               <a:t>lib</a:t>
             </a:r>
             <a:r>
@@ -17053,7 +17118,7 @@
               <a:t>/</a:t>
             </a:r>
             <a:r>
-              <a:rPr lang="it-IT" sz="2400" i="1" err="1"/>
+              <a:rPr lang="it-IT" sz="2400" i="1" dirty="0" err="1"/>
               <a:t>process</a:t>
             </a:r>
             <a:r>
@@ -17061,10 +17126,13 @@
               <a:t>/</a:t>
             </a:r>
             <a:r>
-              <a:rPr lang="it-IT" sz="2400" i="1" err="1"/>
+              <a:rPr lang="it-IT" sz="2400" i="1" dirty="0" err="1"/>
               <a:t>process.h</a:t>
             </a:r>
-            <a:endParaRPr lang="it-IT" sz="2400" i="1"/>
+            <a:r>
+              <a:rPr lang="it-IT" sz="2400" i="1" dirty="0"/>
+              <a:t>.</a:t>
+            </a:r>
           </a:p>
           <a:p>
             <a:pPr marL="305435" indent="-305435"/>
@@ -17093,7 +17161,6 @@
               <a:rPr lang="it-IT" sz="2400" dirty="0"/>
               <a:t>periodicità</a:t>
             </a:r>
-            <a:endParaRPr lang="it-IT" sz="2400"/>
           </a:p>
           <a:p>
             <a:pPr marL="629920" lvl="1" indent="-457200"/>
@@ -17251,7 +17318,7 @@
             </a:r>
             <a:r>
               <a:rPr lang="it-IT" sz="2400" dirty="0"/>
-              <a:t>.  A mancare sono solo la parte inerente alla scelta della task e la lettura della priorità della task corrente</a:t>
+              <a:t>.  A mancare sono solo la parte inerente alla scelta della task e la lettura della priorità della task corrente.</a:t>
             </a:r>
           </a:p>
           <a:p>
@@ -17261,7 +17328,7 @@
               <a:t>Per effettuare la scelta si va a cercare la task con il valore </a:t>
             </a:r>
             <a:r>
-              <a:rPr lang="it-IT" sz="2400" i="1" err="1"/>
+              <a:rPr lang="it-IT" sz="2400" i="1" dirty="0" err="1"/>
               <a:t>se.prio</a:t>
             </a:r>
             <a:r>
@@ -17270,7 +17337,7 @@
             </a:r>
             <a:r>
               <a:rPr lang="it-IT" sz="2400" dirty="0"/>
-              <a:t>più basso (corrispondente ad un livello di priorità più alta, di fatto). A parità di priorità dei processi, si può optare per diverse strategie. Noi effettuiamo una scelta arbitraria, selezionando sempre la task con cui ci stiamo confrontando invece di quella attuale. Una strategia alternativa tra le molte potrebbe essere quella di basarsi sul tempo di arrivo (scegliendo poi se servire la task più nuova o più vecchia)</a:t>
+              <a:t>più basso (corrispondente ad un livello di priorità più alta, di fatto). A parità di priorità dei processi, si può optare per diverse strategie. Noi effettuiamo una scelta arbitraria, selezionando sempre la task con cui ci stiamo confrontando invece di quella attuale. Una strategia alternativa tra le molte potrebbe essere quella di basarsi sul tempo di arrivo (scegliendo poi se servire la task più nuova o più vecchia).</a:t>
             </a:r>
           </a:p>
         </p:txBody>
